--- a/DriveInfo Class.pptx
+++ b/DriveInfo Class.pptx
@@ -291,7 +291,7 @@
             <a:fld id="{6B16AD72-BEC8-445C-8BCF-97526BFE5590}" type="datetimeFigureOut">
               <a:rPr lang="en-US" smtClean="0"/>
               <a:pPr/>
-              <a:t>3/11/2014</a:t>
+              <a:t>4/19/2019</a:t>
             </a:fld>
             <a:endParaRPr lang="en-IN"/>
           </a:p>
@@ -458,7 +458,7 @@
             <a:fld id="{6B16AD72-BEC8-445C-8BCF-97526BFE5590}" type="datetimeFigureOut">
               <a:rPr lang="en-US" smtClean="0"/>
               <a:pPr/>
-              <a:t>3/11/2014</a:t>
+              <a:t>4/19/2019</a:t>
             </a:fld>
             <a:endParaRPr lang="en-IN"/>
           </a:p>
@@ -635,7 +635,7 @@
             <a:fld id="{6B16AD72-BEC8-445C-8BCF-97526BFE5590}" type="datetimeFigureOut">
               <a:rPr lang="en-US" smtClean="0"/>
               <a:pPr/>
-              <a:t>3/11/2014</a:t>
+              <a:t>4/19/2019</a:t>
             </a:fld>
             <a:endParaRPr lang="en-IN"/>
           </a:p>
@@ -802,7 +802,7 @@
             <a:fld id="{6B16AD72-BEC8-445C-8BCF-97526BFE5590}" type="datetimeFigureOut">
               <a:rPr lang="en-US" smtClean="0"/>
               <a:pPr/>
-              <a:t>3/11/2014</a:t>
+              <a:t>4/19/2019</a:t>
             </a:fld>
             <a:endParaRPr lang="en-IN"/>
           </a:p>
@@ -1046,7 +1046,7 @@
             <a:fld id="{6B16AD72-BEC8-445C-8BCF-97526BFE5590}" type="datetimeFigureOut">
               <a:rPr lang="en-US" smtClean="0"/>
               <a:pPr/>
-              <a:t>3/11/2014</a:t>
+              <a:t>4/19/2019</a:t>
             </a:fld>
             <a:endParaRPr lang="en-IN"/>
           </a:p>
@@ -1312,7 +1312,7 @@
             <a:fld id="{6B16AD72-BEC8-445C-8BCF-97526BFE5590}" type="datetimeFigureOut">
               <a:rPr lang="en-US" smtClean="0"/>
               <a:pPr/>
-              <a:t>3/11/2014</a:t>
+              <a:t>4/19/2019</a:t>
             </a:fld>
             <a:endParaRPr lang="en-IN"/>
           </a:p>
@@ -1692,7 +1692,7 @@
             <a:fld id="{6B16AD72-BEC8-445C-8BCF-97526BFE5590}" type="datetimeFigureOut">
               <a:rPr lang="en-US" smtClean="0"/>
               <a:pPr/>
-              <a:t>3/11/2014</a:t>
+              <a:t>4/19/2019</a:t>
             </a:fld>
             <a:endParaRPr lang="en-IN"/>
           </a:p>
@@ -1844,7 +1844,7 @@
             <a:fld id="{6B16AD72-BEC8-445C-8BCF-97526BFE5590}" type="datetimeFigureOut">
               <a:rPr lang="en-US" smtClean="0"/>
               <a:pPr/>
-              <a:t>3/11/2014</a:t>
+              <a:t>4/19/2019</a:t>
             </a:fld>
             <a:endParaRPr lang="en-IN"/>
           </a:p>
@@ -1936,7 +1936,7 @@
             <a:fld id="{6B16AD72-BEC8-445C-8BCF-97526BFE5590}" type="datetimeFigureOut">
               <a:rPr lang="en-US" smtClean="0"/>
               <a:pPr/>
-              <a:t>3/11/2014</a:t>
+              <a:t>4/19/2019</a:t>
             </a:fld>
             <a:endParaRPr lang="en-IN"/>
           </a:p>
@@ -2199,7 +2199,7 @@
             <a:fld id="{6B16AD72-BEC8-445C-8BCF-97526BFE5590}" type="datetimeFigureOut">
               <a:rPr lang="en-US" smtClean="0"/>
               <a:pPr/>
-              <a:t>3/11/2014</a:t>
+              <a:t>4/19/2019</a:t>
             </a:fld>
             <a:endParaRPr lang="en-IN"/>
           </a:p>
@@ -2489,7 +2489,7 @@
             <a:fld id="{6B16AD72-BEC8-445C-8BCF-97526BFE5590}" type="datetimeFigureOut">
               <a:rPr lang="en-US" smtClean="0"/>
               <a:pPr/>
-              <a:t>3/11/2014</a:t>
+              <a:t>4/19/2019</a:t>
             </a:fld>
             <a:endParaRPr lang="en-IN"/>
           </a:p>
@@ -3262,7 +3262,7 @@
             <a:fld id="{6B16AD72-BEC8-445C-8BCF-97526BFE5590}" type="datetimeFigureOut">
               <a:rPr lang="en-US" smtClean="0"/>
               <a:pPr/>
-              <a:t>3/11/2014</a:t>
+              <a:t>4/19/2019</a:t>
             </a:fld>
             <a:endParaRPr lang="en-IN"/>
           </a:p>
@@ -3946,7 +3946,7 @@
       </p:sp>
       <p:sp>
         <p:nvSpPr>
-          <p:cNvPr id="3" name="Subtitle 2"/>
+          <p:cNvPr id="4" name="Subtitle 3"/>
           <p:cNvSpPr>
             <a:spLocks noGrp="1"/>
           </p:cNvSpPr>
@@ -3954,63 +3954,12 @@
             <p:ph type="subTitle" idx="1"/>
           </p:nvPr>
         </p:nvSpPr>
-        <p:spPr>
-          <a:xfrm>
-            <a:off x="827584" y="2996952"/>
-            <a:ext cx="8039128" cy="3143272"/>
-          </a:xfrm>
-        </p:spPr>
-        <p:txBody>
-          <a:bodyPr>
-            <a:normAutofit lnSpcReduction="10000"/>
-          </a:bodyPr>
-          <a:lstStyle/>
-          <a:p>
-            <a:pPr algn="l"/>
-            <a:endParaRPr lang="en-IN" dirty="0" smtClean="0"/>
-          </a:p>
-          <a:p>
-            <a:pPr algn="l"/>
-            <a:endParaRPr lang="en-IN" dirty="0" smtClean="0"/>
-          </a:p>
-          <a:p>
-            <a:pPr algn="l"/>
-            <a:endParaRPr lang="en-IN" dirty="0" smtClean="0"/>
-          </a:p>
-          <a:p>
-            <a:pPr algn="l"/>
-            <a:endParaRPr lang="en-IN" dirty="0" smtClean="0"/>
-          </a:p>
-          <a:p>
-            <a:pPr algn="l"/>
-            <a:endParaRPr lang="en-IN" dirty="0" smtClean="0"/>
-          </a:p>
-          <a:p>
-            <a:pPr algn="l"/>
-            <a:r>
-              <a:rPr lang="en-IN" dirty="0" smtClean="0"/>
-              <a:t>						Represented By</a:t>
-            </a:r>
-          </a:p>
-          <a:p>
-            <a:pPr algn="l"/>
-            <a:r>
-              <a:rPr lang="en-IN" dirty="0" smtClean="0"/>
-              <a:t>						</a:t>
-            </a:r>
-            <a:r>
-              <a:rPr lang="en-IN" dirty="0" err="1" smtClean="0"/>
-              <a:t>Digvijay</a:t>
-            </a:r>
-            <a:r>
-              <a:rPr lang="en-IN" dirty="0" smtClean="0"/>
-              <a:t> </a:t>
-            </a:r>
-            <a:r>
-              <a:rPr lang="en-IN" dirty="0" err="1" smtClean="0"/>
-              <a:t>Rajurkar</a:t>
-            </a:r>
-            <a:endParaRPr lang="en-IN" dirty="0"/>
+        <p:spPr/>
+        <p:txBody>
+          <a:bodyPr/>
+          <a:lstStyle/>
+          <a:p>
+            <a:endParaRPr lang="en-IN"/>
           </a:p>
         </p:txBody>
       </p:sp>
@@ -4704,15 +4653,7 @@
             <a:pPr algn="l"/>
             <a:r>
               <a:rPr lang="en-IN" smtClean="0"/>
-              <a:t> </a:t>
-            </a:r>
-            <a:r>
-              <a:rPr lang="en-IN" smtClean="0"/>
-              <a:t>                                           </a:t>
-            </a:r>
-            <a:r>
-              <a:rPr lang="en-IN" smtClean="0"/>
-              <a:t>      string</a:t>
+              <a:t>                                                  string</a:t>
             </a:r>
             <a:r>
               <a:rPr lang="en-IN" dirty="0" smtClean="0"/>
@@ -4726,23 +4667,13 @@
               <a:rPr lang="en-IN" dirty="0" smtClean="0"/>
               <a:t> </a:t>
             </a:r>
-            <a:endParaRPr lang="en-IN" dirty="0" smtClean="0"/>
           </a:p>
           <a:p>
             <a:pPr algn="l"/>
             <a:r>
               <a:rPr lang="en-IN" dirty="0" smtClean="0"/>
-              <a:t> </a:t>
-            </a:r>
-            <a:r>
-              <a:rPr lang="en-IN" dirty="0" smtClean="0"/>
-              <a:t>                                            </a:t>
-            </a:r>
-            <a:r>
-              <a:rPr lang="en-IN" dirty="0" smtClean="0"/>
-              <a:t>)</a:t>
-            </a:r>
-            <a:endParaRPr lang="en-IN" dirty="0" smtClean="0"/>
+              <a:t>                                             )</a:t>
+            </a:r>
           </a:p>
           <a:p>
             <a:pPr algn="l"/>
